--- a/Presentations/4. System.IO.Pipelines.pptx
+++ b/Presentations/4. System.IO.Pipelines.pptx
@@ -5305,6 +5305,42 @@
           </a:prstGeom>
         </p:spPr>
       </p:pic>
+      <p:sp>
+        <p:nvSpPr>
+          <p:cNvPr id="8" name="TextBox 7">
+            <a:extLst>
+              <a:ext uri="{FF2B5EF4-FFF2-40B4-BE49-F238E27FC236}">
+                <a16:creationId xmlns:a16="http://schemas.microsoft.com/office/drawing/2014/main" id="{C0672030-B7DF-4144-9220-9841F0D2EBCA}"/>
+              </a:ext>
+            </a:extLst>
+          </p:cNvPr>
+          <p:cNvSpPr txBox="1"/>
+          <p:nvPr/>
+        </p:nvSpPr>
+        <p:spPr>
+          <a:xfrm>
+            <a:off x="314325" y="6159500"/>
+            <a:ext cx="301686" cy="369332"/>
+          </a:xfrm>
+          <a:prstGeom prst="rect">
+            <a:avLst/>
+          </a:prstGeom>
+          <a:noFill/>
+        </p:spPr>
+        <p:txBody>
+          <a:bodyPr wrap="none" rtlCol="0">
+            <a:spAutoFit/>
+          </a:bodyPr>
+          <a:lstStyle/>
+          <a:p>
+            <a:fld id="{0ED144EA-89AE-4759-8B06-27CCA8284B21}" type="slidenum">
+              <a:rPr lang="en-US" smtClean="0"/>
+              <a:t>3</a:t>
+            </a:fld>
+            <a:endParaRPr lang="en-US" dirty="0"/>
+          </a:p>
+        </p:txBody>
+      </p:sp>
     </p:spTree>
     <p:extLst>
       <p:ext uri="{BB962C8B-B14F-4D97-AF65-F5344CB8AC3E}">
